--- a/OS/sp19/lectures/OSsp19_lec13_exam1_preview.pptx
+++ b/OS/sp19/lectures/OSsp19_lec13_exam1_preview.pptx
@@ -204,6 +204,45 @@
 <file path=ppt/changesInfos/changesInfo1.xml><?xml version="1.0" encoding="utf-8"?>
 <pc:chgInfo xmlns:a="http://schemas.openxmlformats.org/drawingml/2006/main" xmlns:r="http://schemas.openxmlformats.org/officeDocument/2006/relationships" xmlns:ac="http://schemas.microsoft.com/office/drawing/2013/main/command" xmlns:pc="http://schemas.microsoft.com/office/powerpoint/2013/main/command">
   <pc:docChgLst>
+    <pc:chgData name="Geiger, Michael J" userId="13cae92b-b37c-450b-a449-82fcae19569d" providerId="ADAL" clId="{06867A2B-E642-4311-BAD2-E9C43AF4AE6B}"/>
+    <pc:docChg chg="modSld">
+      <pc:chgData name="Geiger, Michael J" userId="13cae92b-b37c-450b-a449-82fcae19569d" providerId="ADAL" clId="{06867A2B-E642-4311-BAD2-E9C43AF4AE6B}" dt="2019-02-22T18:59:28.409" v="3" actId="20577"/>
+      <pc:docMkLst>
+        <pc:docMk/>
+      </pc:docMkLst>
+      <pc:sldChg chg="modSp">
+        <pc:chgData name="Geiger, Michael J" userId="13cae92b-b37c-450b-a449-82fcae19569d" providerId="ADAL" clId="{06867A2B-E642-4311-BAD2-E9C43AF4AE6B}" dt="2019-02-22T18:59:22.132" v="1" actId="20577"/>
+        <pc:sldMkLst>
+          <pc:docMk/>
+          <pc:sldMk cId="2030225414" sldId="533"/>
+        </pc:sldMkLst>
+        <pc:spChg chg="mod">
+          <ac:chgData name="Geiger, Michael J" userId="13cae92b-b37c-450b-a449-82fcae19569d" providerId="ADAL" clId="{06867A2B-E642-4311-BAD2-E9C43AF4AE6B}" dt="2019-02-22T18:59:22.132" v="1" actId="20577"/>
+          <ac:spMkLst>
+            <pc:docMk/>
+            <pc:sldMk cId="2030225414" sldId="533"/>
+            <ac:spMk id="4099" creationId="{00000000-0000-0000-0000-000000000000}"/>
+          </ac:spMkLst>
+        </pc:spChg>
+      </pc:sldChg>
+      <pc:sldChg chg="modSp">
+        <pc:chgData name="Geiger, Michael J" userId="13cae92b-b37c-450b-a449-82fcae19569d" providerId="ADAL" clId="{06867A2B-E642-4311-BAD2-E9C43AF4AE6B}" dt="2019-02-22T18:59:28.409" v="3" actId="20577"/>
+        <pc:sldMkLst>
+          <pc:docMk/>
+          <pc:sldMk cId="63036134" sldId="559"/>
+        </pc:sldMkLst>
+        <pc:spChg chg="mod">
+          <ac:chgData name="Geiger, Michael J" userId="13cae92b-b37c-450b-a449-82fcae19569d" providerId="ADAL" clId="{06867A2B-E642-4311-BAD2-E9C43AF4AE6B}" dt="2019-02-22T18:59:28.409" v="3" actId="20577"/>
+          <ac:spMkLst>
+            <pc:docMk/>
+            <pc:sldMk cId="63036134" sldId="559"/>
+            <ac:spMk id="25603" creationId="{00000000-0000-0000-0000-000000000000}"/>
+          </ac:spMkLst>
+        </pc:spChg>
+      </pc:sldChg>
+    </pc:docChg>
+  </pc:docChgLst>
+  <pc:docChgLst>
     <pc:chgData name="Geiger, Michael J" userId="13cae92b-b37c-450b-a449-82fcae19569d" providerId="ADAL" clId="{95892A27-CAEB-47AD-A1C8-01F942FACD2B}"/>
     <pc:docChg chg="custSel modSld">
       <pc:chgData name="Geiger, Michael J" userId="13cae92b-b37c-450b-a449-82fcae19569d" providerId="ADAL" clId="{95892A27-CAEB-47AD-A1C8-01F942FACD2B}" dt="2019-02-22T17:10:53.506" v="196" actId="2711"/>
@@ -702,7 +741,7 @@
               </a14:hiddenFill>
             </a:ext>
             <a:ext uri="{FAA26D3D-D897-4be2-8F04-BA451C77F1D7}">
-              <ma14:placeholderFlag xmlns="" xmlns:ma14="http://schemas.microsoft.com/office/mac/drawingml/2011/main" val="1"/>
+              <ma14:placeholderFlag xmlns:ma14="http://schemas.microsoft.com/office/mac/drawingml/2011/main" xmlns="" val="1"/>
             </a:ext>
           </a:extLst>
         </p:spPr>
@@ -1238,7 +1277,7 @@
               </a14:hiddenLine>
             </a:ext>
             <a:ext uri="{FAA26D3D-D897-4be2-8F04-BA451C77F1D7}">
-              <ma14:placeholderFlag xmlns="" xmlns:ma14="http://schemas.microsoft.com/office/mac/drawingml/2011/main" val="1"/>
+              <ma14:placeholderFlag xmlns:ma14="http://schemas.microsoft.com/office/mac/drawingml/2011/main" xmlns="" val="1"/>
             </a:ext>
           </a:extLst>
         </p:spPr>
@@ -1322,7 +1361,7 @@
               </a14:hiddenLine>
             </a:ext>
             <a:ext uri="{FAA26D3D-D897-4be2-8F04-BA451C77F1D7}">
-              <ma14:placeholderFlag xmlns="" xmlns:ma14="http://schemas.microsoft.com/office/mac/drawingml/2011/main" val="1"/>
+              <ma14:placeholderFlag xmlns:ma14="http://schemas.microsoft.com/office/mac/drawingml/2011/main" xmlns="" val="1"/>
             </a:ext>
           </a:extLst>
         </p:spPr>
@@ -1407,7 +1446,7 @@
               </a14:hiddenLine>
             </a:ext>
             <a:ext uri="{FAA26D3D-D897-4be2-8F04-BA451C77F1D7}">
-              <ma14:placeholderFlag xmlns="" xmlns:ma14="http://schemas.microsoft.com/office/mac/drawingml/2011/main" val="1"/>
+              <ma14:placeholderFlag xmlns:ma14="http://schemas.microsoft.com/office/mac/drawingml/2011/main" xmlns="" val="1"/>
             </a:ext>
           </a:extLst>
         </p:spPr>
@@ -1492,7 +1531,7 @@
               </a14:hiddenLine>
             </a:ext>
             <a:ext uri="{FAA26D3D-D897-4be2-8F04-BA451C77F1D7}">
-              <ma14:placeholderFlag xmlns="" xmlns:ma14="http://schemas.microsoft.com/office/mac/drawingml/2011/main" val="1"/>
+              <ma14:placeholderFlag xmlns:ma14="http://schemas.microsoft.com/office/mac/drawingml/2011/main" xmlns="" val="1"/>
             </a:ext>
           </a:extLst>
         </p:spPr>
@@ -1577,7 +1616,7 @@
               </a14:hiddenLine>
             </a:ext>
             <a:ext uri="{FAA26D3D-D897-4be2-8F04-BA451C77F1D7}">
-              <ma14:placeholderFlag xmlns="" xmlns:ma14="http://schemas.microsoft.com/office/mac/drawingml/2011/main" val="1"/>
+              <ma14:placeholderFlag xmlns:ma14="http://schemas.microsoft.com/office/mac/drawingml/2011/main" xmlns="" val="1"/>
             </a:ext>
           </a:extLst>
         </p:spPr>
@@ -1662,7 +1701,7 @@
               </a14:hiddenLine>
             </a:ext>
             <a:ext uri="{FAA26D3D-D897-4be2-8F04-BA451C77F1D7}">
-              <ma14:placeholderFlag xmlns="" xmlns:ma14="http://schemas.microsoft.com/office/mac/drawingml/2011/main" val="1"/>
+              <ma14:placeholderFlag xmlns:ma14="http://schemas.microsoft.com/office/mac/drawingml/2011/main" xmlns="" val="1"/>
             </a:ext>
           </a:extLst>
         </p:spPr>
@@ -1747,7 +1786,7 @@
               </a14:hiddenLine>
             </a:ext>
             <a:ext uri="{FAA26D3D-D897-4be2-8F04-BA451C77F1D7}">
-              <ma14:placeholderFlag xmlns="" xmlns:ma14="http://schemas.microsoft.com/office/mac/drawingml/2011/main" val="1"/>
+              <ma14:placeholderFlag xmlns:ma14="http://schemas.microsoft.com/office/mac/drawingml/2011/main" xmlns="" val="1"/>
             </a:ext>
           </a:extLst>
         </p:spPr>
@@ -1832,7 +1871,7 @@
               </a14:hiddenLine>
             </a:ext>
             <a:ext uri="{FAA26D3D-D897-4be2-8F04-BA451C77F1D7}">
-              <ma14:placeholderFlag xmlns="" xmlns:ma14="http://schemas.microsoft.com/office/mac/drawingml/2011/main" val="1"/>
+              <ma14:placeholderFlag xmlns:ma14="http://schemas.microsoft.com/office/mac/drawingml/2011/main" xmlns="" val="1"/>
             </a:ext>
           </a:extLst>
         </p:spPr>
@@ -1917,7 +1956,7 @@
               </a14:hiddenLine>
             </a:ext>
             <a:ext uri="{FAA26D3D-D897-4be2-8F04-BA451C77F1D7}">
-              <ma14:placeholderFlag xmlns="" xmlns:ma14="http://schemas.microsoft.com/office/mac/drawingml/2011/main" val="1"/>
+              <ma14:placeholderFlag xmlns:ma14="http://schemas.microsoft.com/office/mac/drawingml/2011/main" xmlns="" val="1"/>
             </a:ext>
           </a:extLst>
         </p:spPr>
@@ -5232,7 +5271,7 @@
               </a14:hiddenLine>
             </a:ext>
             <a:ext uri="{FAA26D3D-D897-4be2-8F04-BA451C77F1D7}">
-              <ma14:placeholderFlag xmlns="" xmlns:ma14="http://schemas.microsoft.com/office/mac/drawingml/2011/main" val="1"/>
+              <ma14:placeholderFlag xmlns:ma14="http://schemas.microsoft.com/office/mac/drawingml/2011/main" xmlns="" val="1"/>
             </a:ext>
           </a:extLst>
         </p:spPr>
@@ -5293,7 +5332,7 @@
               </a14:hiddenLine>
             </a:ext>
             <a:ext uri="{FAA26D3D-D897-4be2-8F04-BA451C77F1D7}">
-              <ma14:placeholderFlag xmlns="" xmlns:ma14="http://schemas.microsoft.com/office/mac/drawingml/2011/main" val="1"/>
+              <ma14:placeholderFlag xmlns:ma14="http://schemas.microsoft.com/office/mac/drawingml/2011/main" xmlns="" val="1"/>
             </a:ext>
           </a:extLst>
         </p:spPr>
@@ -9435,7 +9474,7 @@
             <a:pPr lvl="1"/>
             <a:r>
               <a:rPr lang="en-US" dirty="0"/>
-              <a:t>No Monday lecture; will be in office until ~1:45 PM</a:t>
+              <a:t>No Monday lecture; will be in office until ~2:45 PM</a:t>
             </a:r>
           </a:p>
           <a:p>
@@ -10120,7 +10159,15 @@
             <a:pPr lvl="1"/>
             <a:r>
               <a:rPr lang="en-US" dirty="0"/>
-              <a:t>No Monday lecture; will be in office until ~1:45 PM</a:t>
+              <a:t>No Monday lecture; will be in office </a:t>
+            </a:r>
+            <a:r>
+              <a:rPr lang="en-US"/>
+              <a:t>until ~2:45 </a:t>
+            </a:r>
+            <a:r>
+              <a:rPr lang="en-US" dirty="0"/>
+              <a:t>PM</a:t>
             </a:r>
           </a:p>
           <a:p>
